--- a/images/students/student.pptx
+++ b/images/students/student.pptx
@@ -260,7 +260,7 @@
           <a:p>
             <a:fld id="{CEA26787-82E8-5A4A-AB1D-90AE299E09F9}" type="datetimeFigureOut">
               <a:rPr lang="en-US" smtClean="0"/>
-              <a:t>3/3/23</a:t>
+              <a:t>8/24/23</a:t>
             </a:fld>
             <a:endParaRPr lang="en-US"/>
           </a:p>
@@ -458,7 +458,7 @@
           <a:p>
             <a:fld id="{CEA26787-82E8-5A4A-AB1D-90AE299E09F9}" type="datetimeFigureOut">
               <a:rPr lang="en-US" smtClean="0"/>
-              <a:t>3/3/23</a:t>
+              <a:t>8/24/23</a:t>
             </a:fld>
             <a:endParaRPr lang="en-US"/>
           </a:p>
@@ -666,7 +666,7 @@
           <a:p>
             <a:fld id="{CEA26787-82E8-5A4A-AB1D-90AE299E09F9}" type="datetimeFigureOut">
               <a:rPr lang="en-US" smtClean="0"/>
-              <a:t>3/3/23</a:t>
+              <a:t>8/24/23</a:t>
             </a:fld>
             <a:endParaRPr lang="en-US"/>
           </a:p>
@@ -864,7 +864,7 @@
           <a:p>
             <a:fld id="{CEA26787-82E8-5A4A-AB1D-90AE299E09F9}" type="datetimeFigureOut">
               <a:rPr lang="en-US" smtClean="0"/>
-              <a:t>3/3/23</a:t>
+              <a:t>8/24/23</a:t>
             </a:fld>
             <a:endParaRPr lang="en-US"/>
           </a:p>
@@ -1139,7 +1139,7 @@
           <a:p>
             <a:fld id="{CEA26787-82E8-5A4A-AB1D-90AE299E09F9}" type="datetimeFigureOut">
               <a:rPr lang="en-US" smtClean="0"/>
-              <a:t>3/3/23</a:t>
+              <a:t>8/24/23</a:t>
             </a:fld>
             <a:endParaRPr lang="en-US"/>
           </a:p>
@@ -1404,7 +1404,7 @@
           <a:p>
             <a:fld id="{CEA26787-82E8-5A4A-AB1D-90AE299E09F9}" type="datetimeFigureOut">
               <a:rPr lang="en-US" smtClean="0"/>
-              <a:t>3/3/23</a:t>
+              <a:t>8/24/23</a:t>
             </a:fld>
             <a:endParaRPr lang="en-US"/>
           </a:p>
@@ -1816,7 +1816,7 @@
           <a:p>
             <a:fld id="{CEA26787-82E8-5A4A-AB1D-90AE299E09F9}" type="datetimeFigureOut">
               <a:rPr lang="en-US" smtClean="0"/>
-              <a:t>3/3/23</a:t>
+              <a:t>8/24/23</a:t>
             </a:fld>
             <a:endParaRPr lang="en-US"/>
           </a:p>
@@ -1957,7 +1957,7 @@
           <a:p>
             <a:fld id="{CEA26787-82E8-5A4A-AB1D-90AE299E09F9}" type="datetimeFigureOut">
               <a:rPr lang="en-US" smtClean="0"/>
-              <a:t>3/3/23</a:t>
+              <a:t>8/24/23</a:t>
             </a:fld>
             <a:endParaRPr lang="en-US"/>
           </a:p>
@@ -2070,7 +2070,7 @@
           <a:p>
             <a:fld id="{CEA26787-82E8-5A4A-AB1D-90AE299E09F9}" type="datetimeFigureOut">
               <a:rPr lang="en-US" smtClean="0"/>
-              <a:t>3/3/23</a:t>
+              <a:t>8/24/23</a:t>
             </a:fld>
             <a:endParaRPr lang="en-US"/>
           </a:p>
@@ -2381,7 +2381,7 @@
           <a:p>
             <a:fld id="{CEA26787-82E8-5A4A-AB1D-90AE299E09F9}" type="datetimeFigureOut">
               <a:rPr lang="en-US" smtClean="0"/>
-              <a:t>3/3/23</a:t>
+              <a:t>8/24/23</a:t>
             </a:fld>
             <a:endParaRPr lang="en-US"/>
           </a:p>
@@ -2669,7 +2669,7 @@
           <a:p>
             <a:fld id="{CEA26787-82E8-5A4A-AB1D-90AE299E09F9}" type="datetimeFigureOut">
               <a:rPr lang="en-US" smtClean="0"/>
-              <a:t>3/3/23</a:t>
+              <a:t>8/24/23</a:t>
             </a:fld>
             <a:endParaRPr lang="en-US"/>
           </a:p>
@@ -2910,7 +2910,7 @@
           <a:p>
             <a:fld id="{CEA26787-82E8-5A4A-AB1D-90AE299E09F9}" type="datetimeFigureOut">
               <a:rPr lang="en-US" smtClean="0"/>
-              <a:t>3/3/23</a:t>
+              <a:t>8/24/23</a:t>
             </a:fld>
             <a:endParaRPr lang="en-US"/>
           </a:p>
@@ -3471,6 +3471,11 @@
           <a:prstGeom prst="ellipse">
             <a:avLst/>
           </a:prstGeom>
+          <a:effectLst>
+            <a:glow>
+              <a:schemeClr val="accent1"/>
+            </a:glow>
+          </a:effectLst>
         </p:spPr>
       </p:pic>
       <p:pic>
@@ -3496,6 +3501,80 @@
           <a:xfrm>
             <a:off x="7498622" y="1123530"/>
             <a:ext cx="3301184" cy="3778285"/>
+          </a:xfrm>
+          <a:prstGeom prst="ellipse">
+            <a:avLst/>
+          </a:prstGeom>
+        </p:spPr>
+      </p:pic>
+      <p:sp>
+        <p:nvSpPr>
+          <p:cNvPr id="5" name="AutoShape 4">
+            <a:extLst>
+              <a:ext uri="{FF2B5EF4-FFF2-40B4-BE49-F238E27FC236}">
+                <a16:creationId xmlns:a16="http://schemas.microsoft.com/office/drawing/2014/main" id="{CA1C854F-B304-AD23-7A5D-5129915C0BC5}"/>
+              </a:ext>
+            </a:extLst>
+          </p:cNvPr>
+          <p:cNvSpPr>
+            <a:spLocks noChangeAspect="1" noChangeArrowheads="1"/>
+          </p:cNvSpPr>
+          <p:nvPr/>
+        </p:nvSpPr>
+        <p:spPr bwMode="auto">
+          <a:xfrm>
+            <a:off x="5943600" y="3276600"/>
+            <a:ext cx="304800" cy="304800"/>
+          </a:xfrm>
+          <a:prstGeom prst="rect">
+            <a:avLst/>
+          </a:prstGeom>
+          <a:noFill/>
+          <a:extLst>
+            <a:ext uri="{909E8E84-426E-40DD-AFC4-6F175D3DCCD1}">
+              <a14:hiddenFill xmlns:a14="http://schemas.microsoft.com/office/drawing/2010/main">
+                <a:solidFill>
+                  <a:srgbClr val="FFFFFF"/>
+                </a:solidFill>
+              </a14:hiddenFill>
+            </a:ext>
+          </a:extLst>
+        </p:spPr>
+        <p:txBody>
+          <a:bodyPr vert="horz" wrap="square" lIns="91440" tIns="45720" rIns="91440" bIns="45720" numCol="1" anchor="t" anchorCtr="0" compatLnSpc="1">
+            <a:prstTxWarp prst="textNoShape">
+              <a:avLst/>
+            </a:prstTxWarp>
+          </a:bodyPr>
+          <a:lstStyle/>
+          <a:p>
+            <a:endParaRPr lang="en-TW"/>
+          </a:p>
+        </p:txBody>
+      </p:sp>
+      <p:pic>
+        <p:nvPicPr>
+          <p:cNvPr id="7" name="Picture 6">
+            <a:extLst>
+              <a:ext uri="{FF2B5EF4-FFF2-40B4-BE49-F238E27FC236}">
+                <a16:creationId xmlns:a16="http://schemas.microsoft.com/office/drawing/2014/main" id="{E74C7278-C1E3-1624-B711-3A7676A14DA7}"/>
+              </a:ext>
+            </a:extLst>
+          </p:cNvPr>
+          <p:cNvPicPr>
+            <a:picLocks noChangeAspect="1"/>
+          </p:cNvPicPr>
+          <p:nvPr/>
+        </p:nvPicPr>
+        <p:blipFill rotWithShape="1">
+          <a:blip r:embed="rId4"/>
+          <a:srcRect t="15247"/>
+          <a:stretch/>
+        </p:blipFill>
+        <p:spPr>
+          <a:xfrm>
+            <a:off x="105355" y="1264379"/>
+            <a:ext cx="3406775" cy="3848892"/>
           </a:xfrm>
           <a:prstGeom prst="ellipse">
             <a:avLst/>

--- a/images/students/student.pptx
+++ b/images/students/student.pptx
@@ -3465,7 +3465,7 @@
         </p:blipFill>
         <p:spPr>
           <a:xfrm>
-            <a:off x="3643313" y="1160561"/>
+            <a:off x="3685354" y="267181"/>
             <a:ext cx="3406775" cy="3741254"/>
           </a:xfrm>
           <a:prstGeom prst="ellipse">
@@ -3499,7 +3499,7 @@
         </p:blipFill>
         <p:spPr>
           <a:xfrm>
-            <a:off x="7498622" y="1123530"/>
+            <a:off x="8785461" y="267181"/>
             <a:ext cx="3301184" cy="3778285"/>
           </a:xfrm>
           <a:prstGeom prst="ellipse">
@@ -3575,6 +3575,35 @@
           <a:xfrm>
             <a:off x="105355" y="1264379"/>
             <a:ext cx="3406775" cy="3848892"/>
+          </a:xfrm>
+          <a:prstGeom prst="ellipse">
+            <a:avLst/>
+          </a:prstGeom>
+        </p:spPr>
+      </p:pic>
+      <p:pic>
+        <p:nvPicPr>
+          <p:cNvPr id="6" name="Picture 5">
+            <a:extLst>
+              <a:ext uri="{FF2B5EF4-FFF2-40B4-BE49-F238E27FC236}">
+                <a16:creationId xmlns:a16="http://schemas.microsoft.com/office/drawing/2014/main" id="{548899D6-62AF-411F-A6A6-323C0881DFD3}"/>
+              </a:ext>
+            </a:extLst>
+          </p:cNvPr>
+          <p:cNvPicPr>
+            <a:picLocks noChangeAspect="1"/>
+          </p:cNvPicPr>
+          <p:nvPr/>
+        </p:nvPicPr>
+        <p:blipFill rotWithShape="1">
+          <a:blip r:embed="rId5"/>
+          <a:srcRect t="12775" b="6147"/>
+          <a:stretch/>
+        </p:blipFill>
+        <p:spPr>
+          <a:xfrm>
+            <a:off x="4570393" y="1955884"/>
+            <a:ext cx="3560353" cy="3848893"/>
           </a:xfrm>
           <a:prstGeom prst="ellipse">
             <a:avLst/>
